--- a/ChessDataBase/Reports/Презентация.pptx
+++ b/ChessDataBase/Reports/Презентация.pptx
@@ -3855,23 +3855,23 @@
           <a:p>
             <a:pPr algn="ctr"/>
             <a:r>
-              <a:rPr lang="ru-RU" altLang="en-US" sz="2800"/>
+              <a:rPr lang="ru-RU" altLang="en-US" sz="2800" dirty="0"/>
               <a:t>Курсовая работа по базам данных</a:t>
             </a:r>
             <a:br>
-              <a:rPr lang="ru-RU" altLang="en-US" sz="2800"/>
+              <a:rPr lang="ru-RU" altLang="en-US" sz="2800" dirty="0"/>
             </a:br>
             <a:r>
-              <a:rPr lang="ru-RU" altLang="en-US" sz="2800"/>
+              <a:rPr lang="ru-RU" altLang="en-US" sz="2800" dirty="0"/>
               <a:t>На тему</a:t>
             </a:r>
             <a:r>
-              <a:rPr lang="en-US" altLang="en-US" sz="2800"/>
+              <a:rPr lang="en-US" altLang="en-US" sz="2800" dirty="0"/>
               <a:t>:</a:t>
             </a:r>
             <a:r>
-              <a:rPr lang="ru-RU" altLang="en-US" sz="2800"/>
-              <a:t> Разработка реляционной базы данных «Диспансеризация больных в поликлинике»</a:t>
+              <a:rPr lang="ru-RU" altLang="en-US" sz="2800" dirty="0"/>
+              <a:t> Разработка реляционной базы данных «Шахматные тактики в онлайн-партиях»</a:t>
             </a:r>
           </a:p>
         </p:txBody>
@@ -4013,23 +4013,98 @@
           <a:p>
             <a:pPr algn="ctr"/>
             <a:r>
-              <a:rPr altLang="en-US" sz="2400"/>
-              <a:t>Пермский национальный исследовательский политехнический университет</a:t>
-            </a:r>
+              <a:rPr altLang="en-US" sz="2400" dirty="0" err="1"/>
+              <a:t>Пермский</a:t>
+            </a:r>
+            <a:r>
+              <a:rPr altLang="en-US" sz="2400" dirty="0"/>
+              <a:t> </a:t>
+            </a:r>
+            <a:r>
+              <a:rPr altLang="en-US" sz="2400" dirty="0" err="1"/>
+              <a:t>национальный</a:t>
+            </a:r>
+            <a:r>
+              <a:rPr altLang="en-US" sz="2400" dirty="0"/>
+              <a:t> </a:t>
+            </a:r>
+            <a:r>
+              <a:rPr altLang="en-US" sz="2400" dirty="0" err="1"/>
+              <a:t>исследовательский</a:t>
+            </a:r>
+            <a:r>
+              <a:rPr altLang="en-US" sz="2400" dirty="0"/>
+              <a:t> </a:t>
+            </a:r>
+            <a:r>
+              <a:rPr altLang="en-US" sz="2400" dirty="0" err="1"/>
+              <a:t>политехнический</a:t>
+            </a:r>
+            <a:r>
+              <a:rPr altLang="en-US" sz="2400" dirty="0"/>
+              <a:t> </a:t>
+            </a:r>
+            <a:r>
+              <a:rPr altLang="en-US" sz="2400" dirty="0" err="1"/>
+              <a:t>университет</a:t>
+            </a:r>
+            <a:endParaRPr altLang="en-US" sz="2400" dirty="0"/>
           </a:p>
           <a:p>
             <a:pPr algn="ctr"/>
             <a:r>
-              <a:rPr altLang="en-US" sz="2400"/>
-              <a:t>Электротехнический факультет</a:t>
-            </a:r>
+              <a:rPr altLang="en-US" sz="2400" dirty="0" err="1"/>
+              <a:t>Электротехнический</a:t>
+            </a:r>
+            <a:r>
+              <a:rPr altLang="en-US" sz="2400" dirty="0"/>
+              <a:t> </a:t>
+            </a:r>
+            <a:r>
+              <a:rPr altLang="en-US" sz="2400" dirty="0" err="1"/>
+              <a:t>факультет</a:t>
+            </a:r>
+            <a:endParaRPr altLang="en-US" sz="2400" dirty="0"/>
           </a:p>
           <a:p>
             <a:pPr algn="ctr"/>
             <a:r>
-              <a:rPr altLang="en-US" sz="2400"/>
-              <a:t>Кафедра Информационные технологии и автоматизированные системы</a:t>
-            </a:r>
+              <a:rPr altLang="en-US" sz="2400" dirty="0" err="1"/>
+              <a:t>Кафедра</a:t>
+            </a:r>
+            <a:r>
+              <a:rPr altLang="en-US" sz="2400" dirty="0"/>
+              <a:t> </a:t>
+            </a:r>
+            <a:r>
+              <a:rPr altLang="en-US" sz="2400" dirty="0" err="1"/>
+              <a:t>Информационные</a:t>
+            </a:r>
+            <a:r>
+              <a:rPr altLang="en-US" sz="2400" dirty="0"/>
+              <a:t> </a:t>
+            </a:r>
+            <a:r>
+              <a:rPr altLang="en-US" sz="2400" dirty="0" err="1"/>
+              <a:t>технологии</a:t>
+            </a:r>
+            <a:r>
+              <a:rPr altLang="en-US" sz="2400" dirty="0"/>
+              <a:t> и </a:t>
+            </a:r>
+            <a:r>
+              <a:rPr altLang="en-US" sz="2400" dirty="0" err="1"/>
+              <a:t>автоматизированные</a:t>
+            </a:r>
+            <a:r>
+              <a:rPr altLang="en-US" sz="2400" dirty="0"/>
+              <a:t> </a:t>
+            </a:r>
+            <a:r>
+              <a:rPr altLang="en-US" sz="2400" dirty="0" err="1"/>
+              <a:t>системы</a:t>
+            </a:r>
+            <a:endParaRPr altLang="en-US" sz="2400" dirty="0"/>
           </a:p>
         </p:txBody>
       </p:sp>
@@ -5918,7 +5993,7 @@
         </p:blipFill>
         <p:spPr>
           <a:xfrm>
-            <a:off x="-29932" y="2053908"/>
+            <a:off x="-29932" y="2062617"/>
             <a:ext cx="12107477" cy="3859212"/>
           </a:xfrm>
         </p:spPr>
@@ -6112,10 +6187,10 @@
       </p:sp>
       <p:pic>
         <p:nvPicPr>
-          <p:cNvPr id="14" name="Рисунок 13">
+          <p:cNvPr id="7" name="Рисунок 6">
             <a:extLst>
               <a:ext uri="{FF2B5EF4-FFF2-40B4-BE49-F238E27FC236}">
-                <a16:creationId xmlns:a16="http://schemas.microsoft.com/office/drawing/2014/main" id="{CE9FD1A1-BF14-4A70-8FF4-F535AC9A4C8C}"/>
+                <a16:creationId xmlns:a16="http://schemas.microsoft.com/office/drawing/2014/main" id="{3D1AFDE7-C6AA-4DAD-94A1-5BAE46FA4850}"/>
               </a:ext>
             </a:extLst>
           </p:cNvPr>
@@ -6138,8 +6213,8 @@
         </p:blipFill>
         <p:spPr>
           <a:xfrm>
-            <a:off x="69668" y="1936750"/>
-            <a:ext cx="12192000" cy="4619288"/>
+            <a:off x="0" y="1631900"/>
+            <a:ext cx="12192000" cy="4937860"/>
           </a:xfrm>
           <a:prstGeom prst="rect">
             <a:avLst/>
@@ -6335,10 +6410,10 @@
       </p:sp>
       <p:pic>
         <p:nvPicPr>
-          <p:cNvPr id="8" name="Рисунок 7">
+          <p:cNvPr id="7" name="Рисунок 6">
             <a:extLst>
               <a:ext uri="{FF2B5EF4-FFF2-40B4-BE49-F238E27FC236}">
-                <a16:creationId xmlns:a16="http://schemas.microsoft.com/office/drawing/2014/main" id="{9F2B97FE-A919-487D-B1C3-E2D7E2AE15FC}"/>
+                <a16:creationId xmlns:a16="http://schemas.microsoft.com/office/drawing/2014/main" id="{D881CFDE-46E4-4427-988A-1F6AD8C6E825}"/>
               </a:ext>
             </a:extLst>
           </p:cNvPr>
@@ -6361,8 +6436,8 @@
         </p:blipFill>
         <p:spPr>
           <a:xfrm>
-            <a:off x="0" y="1585733"/>
-            <a:ext cx="12192000" cy="4701898"/>
+            <a:off x="0" y="1750302"/>
+            <a:ext cx="12192000" cy="4680100"/>
           </a:xfrm>
           <a:prstGeom prst="rect">
             <a:avLst/>
